--- a/in_design/flowchart/2進捗確認機能フローチャート.pptx
+++ b/in_design/flowchart/2進捗確認機能フローチャート.pptx
@@ -4269,68 +4269,6 @@
           </a:fontRef>
         </p:style>
       </p:cxnSp>
-      <p:sp>
-        <p:nvSpPr>
-          <p:cNvPr id="205" name="ホームベース 204"/>
-          <p:cNvSpPr/>
-          <p:nvPr/>
-        </p:nvSpPr>
-        <p:spPr>
-          <a:xfrm>
-            <a:off x="7249614" y="1910585"/>
-            <a:ext cx="1252495" cy="614778"/>
-          </a:xfrm>
-          <a:prstGeom prst="homePlate">
-            <a:avLst/>
-          </a:prstGeom>
-        </p:spPr>
-        <p:style>
-          <a:lnRef idx="2">
-            <a:schemeClr val="dk1"/>
-          </a:lnRef>
-          <a:fillRef idx="1">
-            <a:schemeClr val="lt1"/>
-          </a:fillRef>
-          <a:effectRef idx="0">
-            <a:schemeClr val="dk1"/>
-          </a:effectRef>
-          <a:fontRef idx="minor">
-            <a:schemeClr val="dk1"/>
-          </a:fontRef>
-        </p:style>
-        <p:txBody>
-          <a:bodyPr rtlCol="0" anchor="ctr"/>
-          <a:lstStyle/>
-          <a:p>
-            <a:pPr algn="ctr"/>
-            <a:r>
-              <a:rPr kumimoji="1" lang="ja-JP" altLang="en-US" sz="1200" dirty="0" smtClean="0"/>
-              <a:t>開講授業</a:t>
-            </a:r>
-            <a:r>
-              <a:rPr kumimoji="1" lang="ja-JP" altLang="en-US" sz="1200" dirty="0" smtClean="0"/>
-              <a:t>回</a:t>
-            </a:r>
-            <a:endParaRPr kumimoji="1" lang="en-US" altLang="ja-JP" sz="1200" dirty="0" smtClean="0"/>
-          </a:p>
-          <a:p>
-            <a:pPr algn="ctr"/>
-            <a:r>
-              <a:rPr kumimoji="1" lang="ja-JP" altLang="en-US" sz="1200" dirty="0" smtClean="0"/>
-              <a:t>選択情報</a:t>
-            </a:r>
-            <a:endParaRPr kumimoji="1" lang="en-US" altLang="ja-JP" sz="1200" dirty="0" smtClean="0"/>
-          </a:p>
-          <a:p>
-            <a:pPr algn="ctr"/>
-            <a:r>
-              <a:rPr lang="ja-JP" altLang="en-US" sz="1200" dirty="0" smtClean="0"/>
-              <a:t>授業形態情報</a:t>
-            </a:r>
-            <a:endParaRPr kumimoji="1" lang="ja-JP" altLang="en-US" sz="1200" dirty="0"/>
-          </a:p>
-        </p:txBody>
-      </p:sp>
       <p:cxnSp>
         <p:nvCxnSpPr>
           <p:cNvPr id="17" name="曲線コネクタ 16"/>
@@ -4829,6 +4767,98 @@
             <a:r>
               <a:rPr kumimoji="1" lang="ja-JP" altLang="en-US" sz="1400" dirty="0" smtClean="0"/>
               <a:t>開講授業回選択情報</a:t>
+            </a:r>
+            <a:endParaRPr kumimoji="1" lang="ja-JP" altLang="en-US" sz="1400" dirty="0"/>
+          </a:p>
+        </p:txBody>
+      </p:sp>
+      <p:sp>
+        <p:nvSpPr>
+          <p:cNvPr id="38" name="ホームベース 37"/>
+          <p:cNvSpPr/>
+          <p:nvPr/>
+        </p:nvSpPr>
+        <p:spPr>
+          <a:xfrm>
+            <a:off x="7211799" y="1621082"/>
+            <a:ext cx="1252495" cy="455180"/>
+          </a:xfrm>
+          <a:prstGeom prst="homePlate">
+            <a:avLst/>
+          </a:prstGeom>
+        </p:spPr>
+        <p:style>
+          <a:lnRef idx="2">
+            <a:schemeClr val="dk1"/>
+          </a:lnRef>
+          <a:fillRef idx="1">
+            <a:schemeClr val="lt1"/>
+          </a:fillRef>
+          <a:effectRef idx="0">
+            <a:schemeClr val="dk1"/>
+          </a:effectRef>
+          <a:fontRef idx="minor">
+            <a:schemeClr val="dk1"/>
+          </a:fontRef>
+        </p:style>
+        <p:txBody>
+          <a:bodyPr rtlCol="0" anchor="ctr"/>
+          <a:lstStyle/>
+          <a:p>
+            <a:pPr algn="ctr"/>
+            <a:r>
+              <a:rPr kumimoji="1" lang="ja-JP" altLang="en-US" sz="1400" dirty="0" smtClean="0"/>
+              <a:t>開講授業回選択情報</a:t>
+            </a:r>
+            <a:endParaRPr kumimoji="1" lang="ja-JP" altLang="en-US" sz="1400" dirty="0"/>
+          </a:p>
+        </p:txBody>
+      </p:sp>
+      <p:sp>
+        <p:nvSpPr>
+          <p:cNvPr id="205" name="ホームベース 204"/>
+          <p:cNvSpPr/>
+          <p:nvPr/>
+        </p:nvSpPr>
+        <p:spPr>
+          <a:xfrm>
+            <a:off x="7211799" y="2102941"/>
+            <a:ext cx="1252495" cy="433423"/>
+          </a:xfrm>
+          <a:prstGeom prst="homePlate">
+            <a:avLst/>
+          </a:prstGeom>
+        </p:spPr>
+        <p:style>
+          <a:lnRef idx="2">
+            <a:schemeClr val="dk1"/>
+          </a:lnRef>
+          <a:fillRef idx="1">
+            <a:schemeClr val="lt1"/>
+          </a:fillRef>
+          <a:effectRef idx="0">
+            <a:schemeClr val="dk1"/>
+          </a:effectRef>
+          <a:fontRef idx="minor">
+            <a:schemeClr val="dk1"/>
+          </a:fontRef>
+        </p:style>
+        <p:txBody>
+          <a:bodyPr rtlCol="0" anchor="ctr"/>
+          <a:lstStyle/>
+          <a:p>
+            <a:pPr algn="ctr"/>
+            <a:r>
+              <a:rPr lang="ja-JP" altLang="en-US" sz="1400" dirty="0" smtClean="0"/>
+              <a:t>授業形態</a:t>
+            </a:r>
+            <a:endParaRPr lang="en-US" altLang="ja-JP" sz="1400" dirty="0" smtClean="0"/>
+          </a:p>
+          <a:p>
+            <a:pPr algn="ctr"/>
+            <a:r>
+              <a:rPr lang="ja-JP" altLang="en-US" sz="1400" dirty="0" smtClean="0"/>
+              <a:t>情報</a:t>
             </a:r>
             <a:endParaRPr kumimoji="1" lang="ja-JP" altLang="en-US" sz="1400" dirty="0"/>
           </a:p>
@@ -5189,11 +5219,7 @@
             </a:r>
             <a:r>
               <a:rPr lang="ja-JP" altLang="en-US" sz="1400" dirty="0" smtClean="0"/>
-              <a:t>際に保存されて</a:t>
-            </a:r>
-            <a:r>
-              <a:rPr lang="ja-JP" altLang="en-US" sz="1400" dirty="0" smtClean="0"/>
-              <a:t>いる</a:t>
+              <a:t>際に保存されている</a:t>
             </a:r>
             <a:endParaRPr lang="en-US" altLang="ja-JP" sz="1400" dirty="0" smtClean="0"/>
           </a:p>
@@ -5210,7 +5236,6 @@
               <a:rPr lang="en-US" altLang="ja-JP" sz="1400" dirty="0" smtClean="0"/>
               <a:t>)</a:t>
             </a:r>
-            <a:endParaRPr lang="en-US" altLang="ja-JP" sz="1400" dirty="0" smtClean="0"/>
           </a:p>
           <a:p>
             <a:endParaRPr lang="en-US" altLang="ja-JP" sz="1400" dirty="0" smtClean="0"/>
@@ -6669,11 +6694,7 @@
             </a:r>
             <a:r>
               <a:rPr lang="ja-JP" altLang="en-US" sz="1400" dirty="0" smtClean="0"/>
-              <a:t>画面</a:t>
-            </a:r>
-            <a:r>
-              <a:rPr lang="ja-JP" altLang="en-US" sz="1400" dirty="0" smtClean="0"/>
-              <a:t>を表示</a:t>
+              <a:t>画面を表示</a:t>
             </a:r>
             <a:endParaRPr lang="ja-JP" altLang="en-US" sz="1400" dirty="0"/>
           </a:p>
@@ -6971,15 +6992,7 @@
           <a:p>
             <a:r>
               <a:rPr lang="ja-JP" altLang="en-US" sz="1400" dirty="0" smtClean="0"/>
-              <a:t>・学生から進捗情報が送信された後</a:t>
-            </a:r>
-            <a:r>
-              <a:rPr lang="ja-JP" altLang="en-US" sz="1400" dirty="0" smtClean="0"/>
-              <a:t>、更新ボタンが押下されたとき、その時点　お進捗</a:t>
-            </a:r>
-            <a:r>
-              <a:rPr lang="ja-JP" altLang="en-US" sz="1400" dirty="0" smtClean="0"/>
-              <a:t>情報を読み込み、更新された情報を画面に反映させて再度進捗確認画面を表示</a:t>
+              <a:t>・学生から進捗情報が送信された後、更新ボタンが押下されたとき、その時点　お進捗情報を読み込み、更新された情報を画面に反映させて再度進捗確認画面を表示</a:t>
             </a:r>
             <a:endParaRPr kumimoji="1" lang="en-US" altLang="ja-JP" sz="1400" dirty="0"/>
           </a:p>
